--- a/Колосов К.А.pptx
+++ b/Колосов К.А.pptx
@@ -260,7 +260,7 @@
           <a:p>
             <a:fld id="{4F3358B9-DDD9-427C-952A-1D9773F66A67}" type="datetimeFigureOut">
               <a:rPr lang="ru-RU" smtClean="0"/>
-              <a:t>13.06.2024</a:t>
+              <a:t>14.06.2024</a:t>
             </a:fld>
             <a:endParaRPr lang="ru-RU"/>
           </a:p>
@@ -428,7 +428,7 @@
           <a:p>
             <a:fld id="{4F3358B9-DDD9-427C-952A-1D9773F66A67}" type="datetimeFigureOut">
               <a:rPr lang="ru-RU" smtClean="0"/>
-              <a:t>13.06.2024</a:t>
+              <a:t>14.06.2024</a:t>
             </a:fld>
             <a:endParaRPr lang="ru-RU"/>
           </a:p>
@@ -606,7 +606,7 @@
           <a:p>
             <a:fld id="{4F3358B9-DDD9-427C-952A-1D9773F66A67}" type="datetimeFigureOut">
               <a:rPr lang="ru-RU" smtClean="0"/>
-              <a:t>13.06.2024</a:t>
+              <a:t>14.06.2024</a:t>
             </a:fld>
             <a:endParaRPr lang="ru-RU"/>
           </a:p>
@@ -774,7 +774,7 @@
           <a:p>
             <a:fld id="{4F3358B9-DDD9-427C-952A-1D9773F66A67}" type="datetimeFigureOut">
               <a:rPr lang="ru-RU" smtClean="0"/>
-              <a:t>13.06.2024</a:t>
+              <a:t>14.06.2024</a:t>
             </a:fld>
             <a:endParaRPr lang="ru-RU"/>
           </a:p>
@@ -1019,7 +1019,7 @@
           <a:p>
             <a:fld id="{4F3358B9-DDD9-427C-952A-1D9773F66A67}" type="datetimeFigureOut">
               <a:rPr lang="ru-RU" smtClean="0"/>
-              <a:t>13.06.2024</a:t>
+              <a:t>14.06.2024</a:t>
             </a:fld>
             <a:endParaRPr lang="ru-RU"/>
           </a:p>
@@ -1248,7 +1248,7 @@
           <a:p>
             <a:fld id="{4F3358B9-DDD9-427C-952A-1D9773F66A67}" type="datetimeFigureOut">
               <a:rPr lang="ru-RU" smtClean="0"/>
-              <a:t>13.06.2024</a:t>
+              <a:t>14.06.2024</a:t>
             </a:fld>
             <a:endParaRPr lang="ru-RU"/>
           </a:p>
@@ -1612,7 +1612,7 @@
           <a:p>
             <a:fld id="{4F3358B9-DDD9-427C-952A-1D9773F66A67}" type="datetimeFigureOut">
               <a:rPr lang="ru-RU" smtClean="0"/>
-              <a:t>13.06.2024</a:t>
+              <a:t>14.06.2024</a:t>
             </a:fld>
             <a:endParaRPr lang="ru-RU"/>
           </a:p>
@@ -1729,7 +1729,7 @@
           <a:p>
             <a:fld id="{4F3358B9-DDD9-427C-952A-1D9773F66A67}" type="datetimeFigureOut">
               <a:rPr lang="ru-RU" smtClean="0"/>
-              <a:t>13.06.2024</a:t>
+              <a:t>14.06.2024</a:t>
             </a:fld>
             <a:endParaRPr lang="ru-RU"/>
           </a:p>
@@ -1824,7 +1824,7 @@
           <a:p>
             <a:fld id="{4F3358B9-DDD9-427C-952A-1D9773F66A67}" type="datetimeFigureOut">
               <a:rPr lang="ru-RU" smtClean="0"/>
-              <a:t>13.06.2024</a:t>
+              <a:t>14.06.2024</a:t>
             </a:fld>
             <a:endParaRPr lang="ru-RU"/>
           </a:p>
@@ -2099,7 +2099,7 @@
           <a:p>
             <a:fld id="{4F3358B9-DDD9-427C-952A-1D9773F66A67}" type="datetimeFigureOut">
               <a:rPr lang="ru-RU" smtClean="0"/>
-              <a:t>13.06.2024</a:t>
+              <a:t>14.06.2024</a:t>
             </a:fld>
             <a:endParaRPr lang="ru-RU"/>
           </a:p>
@@ -2351,7 +2351,7 @@
           <a:p>
             <a:fld id="{4F3358B9-DDD9-427C-952A-1D9773F66A67}" type="datetimeFigureOut">
               <a:rPr lang="ru-RU" smtClean="0"/>
-              <a:t>13.06.2024</a:t>
+              <a:t>14.06.2024</a:t>
             </a:fld>
             <a:endParaRPr lang="ru-RU"/>
           </a:p>
@@ -2562,7 +2562,7 @@
           <a:p>
             <a:fld id="{4F3358B9-DDD9-427C-952A-1D9773F66A67}" type="datetimeFigureOut">
               <a:rPr lang="ru-RU" smtClean="0"/>
-              <a:t>13.06.2024</a:t>
+              <a:t>14.06.2024</a:t>
             </a:fld>
             <a:endParaRPr lang="ru-RU"/>
           </a:p>
@@ -2983,7 +2983,7 @@
                 <a16:creationId xmlns:a16="http://schemas.microsoft.com/office/drawing/2014/main" id="{68AF5748-FED8-45BA-8631-26D1D10F3246}"/>
               </a:ext>
               <a:ext uri="{C183D7F6-B498-43B3-948B-1728B52AA6E4}">
-                <adec:decorative xmlns:adec="http://schemas.microsoft.com/office/drawing/2017/decorative" val="1"/>
+                <adec:decorative xmlns:adec="http://schemas.microsoft.com/office/drawing/2017/decorative" xmlns="" val="1"/>
               </a:ext>
             </a:extLst>
           </p:cNvPr>
@@ -3145,7 +3145,7 @@
                 <a16:creationId xmlns:a16="http://schemas.microsoft.com/office/drawing/2014/main" id="{AF2F604E-43BE-4DC3-B983-E071523364F8}"/>
               </a:ext>
               <a:ext uri="{C183D7F6-B498-43B3-948B-1728B52AA6E4}">
-                <adec:decorative xmlns:adec="http://schemas.microsoft.com/office/drawing/2017/decorative" val="1"/>
+                <adec:decorative xmlns:adec="http://schemas.microsoft.com/office/drawing/2017/decorative" xmlns="" val="1"/>
               </a:ext>
             </a:extLst>
           </p:cNvPr>
@@ -3237,7 +3237,7 @@
                 <a16:creationId xmlns:a16="http://schemas.microsoft.com/office/drawing/2014/main" id="{08C9B587-E65E-4B52-B37C-ABEBB6E87928}"/>
               </a:ext>
               <a:ext uri="{C183D7F6-B498-43B3-948B-1728B52AA6E4}">
-                <adec:decorative xmlns:adec="http://schemas.microsoft.com/office/drawing/2017/decorative" val="1"/>
+                <adec:decorative xmlns:adec="http://schemas.microsoft.com/office/drawing/2017/decorative" xmlns="" val="1"/>
               </a:ext>
             </a:extLst>
           </p:cNvPr>
@@ -3374,7 +3374,7 @@
                 <a16:creationId xmlns:a16="http://schemas.microsoft.com/office/drawing/2014/main" id="{70155189-D96C-4527-B0EC-654B946BE615}"/>
               </a:ext>
               <a:ext uri="{C183D7F6-B498-43B3-948B-1728B52AA6E4}">
-                <adec:decorative xmlns:adec="http://schemas.microsoft.com/office/drawing/2017/decorative" val="1"/>
+                <adec:decorative xmlns:adec="http://schemas.microsoft.com/office/drawing/2017/decorative" xmlns="" val="1"/>
               </a:ext>
             </a:extLst>
           </p:cNvPr>
@@ -3766,7 +3766,7 @@
                 <a16:creationId xmlns:a16="http://schemas.microsoft.com/office/drawing/2014/main" id="{DAF1966E-FD40-4A4A-B61B-C4DF7FA05F06}"/>
               </a:ext>
               <a:ext uri="{C183D7F6-B498-43B3-948B-1728B52AA6E4}">
-                <adec:decorative xmlns:adec="http://schemas.microsoft.com/office/drawing/2017/decorative" val="1"/>
+                <adec:decorative xmlns:adec="http://schemas.microsoft.com/office/drawing/2017/decorative" xmlns="" val="1"/>
               </a:ext>
             </a:extLst>
           </p:cNvPr>
@@ -3826,7 +3826,7 @@
                 <a16:creationId xmlns:a16="http://schemas.microsoft.com/office/drawing/2014/main" id="{047BFA19-D45E-416B-A404-7AF2F3F27017}"/>
               </a:ext>
               <a:ext uri="{C183D7F6-B498-43B3-948B-1728B52AA6E4}">
-                <adec:decorative xmlns:adec="http://schemas.microsoft.com/office/drawing/2017/decorative" val="1"/>
+                <adec:decorative xmlns:adec="http://schemas.microsoft.com/office/drawing/2017/decorative" xmlns="" val="1"/>
               </a:ext>
             </a:extLst>
           </p:cNvPr>
@@ -3925,7 +3925,7 @@
                 <a16:creationId xmlns:a16="http://schemas.microsoft.com/office/drawing/2014/main" id="{8E0105E7-23DB-4CF2-8258-FF47C7620F6E}"/>
               </a:ext>
               <a:ext uri="{C183D7F6-B498-43B3-948B-1728B52AA6E4}">
-                <adec:decorative xmlns:adec="http://schemas.microsoft.com/office/drawing/2017/decorative" val="1"/>
+                <adec:decorative xmlns:adec="http://schemas.microsoft.com/office/drawing/2017/decorative" xmlns="" val="1"/>
               </a:ext>
             </a:extLst>
           </p:cNvPr>
@@ -4057,7 +4057,7 @@
                 <a16:creationId xmlns:a16="http://schemas.microsoft.com/office/drawing/2014/main" id="{074B4F7D-14B2-478B-8BF5-01E4E0C5D263}"/>
               </a:ext>
               <a:ext uri="{C183D7F6-B498-43B3-948B-1728B52AA6E4}">
-                <adec:decorative xmlns:adec="http://schemas.microsoft.com/office/drawing/2017/decorative" val="1"/>
+                <adec:decorative xmlns:adec="http://schemas.microsoft.com/office/drawing/2017/decorative" xmlns="" val="1"/>
               </a:ext>
             </a:extLst>
           </p:cNvPr>
@@ -4272,7 +4272,7 @@
                 <a16:creationId xmlns:a16="http://schemas.microsoft.com/office/drawing/2014/main" id="{DAF1966E-FD40-4A4A-B61B-C4DF7FA05F06}"/>
               </a:ext>
               <a:ext uri="{C183D7F6-B498-43B3-948B-1728B52AA6E4}">
-                <adec:decorative xmlns:adec="http://schemas.microsoft.com/office/drawing/2017/decorative" val="1"/>
+                <adec:decorative xmlns:adec="http://schemas.microsoft.com/office/drawing/2017/decorative" xmlns="" val="1"/>
               </a:ext>
             </a:extLst>
           </p:cNvPr>
@@ -4332,7 +4332,7 @@
                 <a16:creationId xmlns:a16="http://schemas.microsoft.com/office/drawing/2014/main" id="{047BFA19-D45E-416B-A404-7AF2F3F27017}"/>
               </a:ext>
               <a:ext uri="{C183D7F6-B498-43B3-948B-1728B52AA6E4}">
-                <adec:decorative xmlns:adec="http://schemas.microsoft.com/office/drawing/2017/decorative" val="1"/>
+                <adec:decorative xmlns:adec="http://schemas.microsoft.com/office/drawing/2017/decorative" xmlns="" val="1"/>
               </a:ext>
             </a:extLst>
           </p:cNvPr>
@@ -4431,7 +4431,7 @@
                 <a16:creationId xmlns:a16="http://schemas.microsoft.com/office/drawing/2014/main" id="{8E0105E7-23DB-4CF2-8258-FF47C7620F6E}"/>
               </a:ext>
               <a:ext uri="{C183D7F6-B498-43B3-948B-1728B52AA6E4}">
-                <adec:decorative xmlns:adec="http://schemas.microsoft.com/office/drawing/2017/decorative" val="1"/>
+                <adec:decorative xmlns:adec="http://schemas.microsoft.com/office/drawing/2017/decorative" xmlns="" val="1"/>
               </a:ext>
             </a:extLst>
           </p:cNvPr>
@@ -4554,7 +4554,7 @@
                 <a16:creationId xmlns:a16="http://schemas.microsoft.com/office/drawing/2014/main" id="{074B4F7D-14B2-478B-8BF5-01E4E0C5D263}"/>
               </a:ext>
               <a:ext uri="{C183D7F6-B498-43B3-948B-1728B52AA6E4}">
-                <adec:decorative xmlns:adec="http://schemas.microsoft.com/office/drawing/2017/decorative" val="1"/>
+                <adec:decorative xmlns:adec="http://schemas.microsoft.com/office/drawing/2017/decorative" xmlns="" val="1"/>
               </a:ext>
             </a:extLst>
           </p:cNvPr>
@@ -4714,7 +4714,7 @@
                 <a16:creationId xmlns:a16="http://schemas.microsoft.com/office/drawing/2014/main" id="{DAF1966E-FD40-4A4A-B61B-C4DF7FA05F06}"/>
               </a:ext>
               <a:ext uri="{C183D7F6-B498-43B3-948B-1728B52AA6E4}">
-                <adec:decorative xmlns:adec="http://schemas.microsoft.com/office/drawing/2017/decorative" val="1"/>
+                <adec:decorative xmlns:adec="http://schemas.microsoft.com/office/drawing/2017/decorative" xmlns="" val="1"/>
               </a:ext>
             </a:extLst>
           </p:cNvPr>
@@ -4774,7 +4774,7 @@
                 <a16:creationId xmlns:a16="http://schemas.microsoft.com/office/drawing/2014/main" id="{047BFA19-D45E-416B-A404-7AF2F3F27017}"/>
               </a:ext>
               <a:ext uri="{C183D7F6-B498-43B3-948B-1728B52AA6E4}">
-                <adec:decorative xmlns:adec="http://schemas.microsoft.com/office/drawing/2017/decorative" val="1"/>
+                <adec:decorative xmlns:adec="http://schemas.microsoft.com/office/drawing/2017/decorative" xmlns="" val="1"/>
               </a:ext>
             </a:extLst>
           </p:cNvPr>
@@ -4873,7 +4873,7 @@
                 <a16:creationId xmlns:a16="http://schemas.microsoft.com/office/drawing/2014/main" id="{8E0105E7-23DB-4CF2-8258-FF47C7620F6E}"/>
               </a:ext>
               <a:ext uri="{C183D7F6-B498-43B3-948B-1728B52AA6E4}">
-                <adec:decorative xmlns:adec="http://schemas.microsoft.com/office/drawing/2017/decorative" val="1"/>
+                <adec:decorative xmlns:adec="http://schemas.microsoft.com/office/drawing/2017/decorative" xmlns="" val="1"/>
               </a:ext>
             </a:extLst>
           </p:cNvPr>
@@ -4996,7 +4996,7 @@
                 <a16:creationId xmlns:a16="http://schemas.microsoft.com/office/drawing/2014/main" id="{074B4F7D-14B2-478B-8BF5-01E4E0C5D263}"/>
               </a:ext>
               <a:ext uri="{C183D7F6-B498-43B3-948B-1728B52AA6E4}">
-                <adec:decorative xmlns:adec="http://schemas.microsoft.com/office/drawing/2017/decorative" val="1"/>
+                <adec:decorative xmlns:adec="http://schemas.microsoft.com/office/drawing/2017/decorative" xmlns="" val="1"/>
               </a:ext>
             </a:extLst>
           </p:cNvPr>
@@ -5214,7 +5214,7 @@
                 <a16:creationId xmlns:a16="http://schemas.microsoft.com/office/drawing/2014/main" id="{DAF1966E-FD40-4A4A-B61B-C4DF7FA05F06}"/>
               </a:ext>
               <a:ext uri="{C183D7F6-B498-43B3-948B-1728B52AA6E4}">
-                <adec:decorative xmlns:adec="http://schemas.microsoft.com/office/drawing/2017/decorative" val="1"/>
+                <adec:decorative xmlns:adec="http://schemas.microsoft.com/office/drawing/2017/decorative" xmlns="" val="1"/>
               </a:ext>
             </a:extLst>
           </p:cNvPr>
@@ -5274,7 +5274,7 @@
                 <a16:creationId xmlns:a16="http://schemas.microsoft.com/office/drawing/2014/main" id="{047BFA19-D45E-416B-A404-7AF2F3F27017}"/>
               </a:ext>
               <a:ext uri="{C183D7F6-B498-43B3-948B-1728B52AA6E4}">
-                <adec:decorative xmlns:adec="http://schemas.microsoft.com/office/drawing/2017/decorative" val="1"/>
+                <adec:decorative xmlns:adec="http://schemas.microsoft.com/office/drawing/2017/decorative" xmlns="" val="1"/>
               </a:ext>
             </a:extLst>
           </p:cNvPr>
@@ -5373,7 +5373,7 @@
                 <a16:creationId xmlns:a16="http://schemas.microsoft.com/office/drawing/2014/main" id="{8E0105E7-23DB-4CF2-8258-FF47C7620F6E}"/>
               </a:ext>
               <a:ext uri="{C183D7F6-B498-43B3-948B-1728B52AA6E4}">
-                <adec:decorative xmlns:adec="http://schemas.microsoft.com/office/drawing/2017/decorative" val="1"/>
+                <adec:decorative xmlns:adec="http://schemas.microsoft.com/office/drawing/2017/decorative" xmlns="" val="1"/>
               </a:ext>
             </a:extLst>
           </p:cNvPr>
@@ -5498,7 +5498,7 @@
                 <a16:creationId xmlns:a16="http://schemas.microsoft.com/office/drawing/2014/main" id="{074B4F7D-14B2-478B-8BF5-01E4E0C5D263}"/>
               </a:ext>
               <a:ext uri="{C183D7F6-B498-43B3-948B-1728B52AA6E4}">
-                <adec:decorative xmlns:adec="http://schemas.microsoft.com/office/drawing/2017/decorative" val="1"/>
+                <adec:decorative xmlns:adec="http://schemas.microsoft.com/office/drawing/2017/decorative" xmlns="" val="1"/>
               </a:ext>
             </a:extLst>
           </p:cNvPr>
@@ -5709,7 +5709,7 @@
                 <a16:creationId xmlns:a16="http://schemas.microsoft.com/office/drawing/2014/main" id="{5680AF7D-F3E9-4098-845A-48B3971D8928}"/>
               </a:ext>
               <a:ext uri="{C183D7F6-B498-43B3-948B-1728B52AA6E4}">
-                <adec:decorative xmlns:adec="http://schemas.microsoft.com/office/drawing/2017/decorative" val="1"/>
+                <adec:decorative xmlns:adec="http://schemas.microsoft.com/office/drawing/2017/decorative" xmlns="" val="1"/>
               </a:ext>
             </a:extLst>
           </p:cNvPr>
@@ -5808,7 +5808,7 @@
                 <a16:creationId xmlns:a16="http://schemas.microsoft.com/office/drawing/2014/main" id="{8EA2E5B2-7E46-41D7-993E-1472B65EDE2D}"/>
               </a:ext>
               <a:ext uri="{C183D7F6-B498-43B3-948B-1728B52AA6E4}">
-                <adec:decorative xmlns:adec="http://schemas.microsoft.com/office/drawing/2017/decorative" val="1"/>
+                <adec:decorative xmlns:adec="http://schemas.microsoft.com/office/drawing/2017/decorative" xmlns="" val="1"/>
               </a:ext>
             </a:extLst>
           </p:cNvPr>
@@ -5930,7 +5930,7 @@
                 <a16:creationId xmlns:a16="http://schemas.microsoft.com/office/drawing/2014/main" id="{789E161B-D345-4E9F-985D-649330815F57}"/>
               </a:ext>
               <a:ext uri="{C183D7F6-B498-43B3-948B-1728B52AA6E4}">
-                <adec:decorative xmlns:adec="http://schemas.microsoft.com/office/drawing/2017/decorative" val="1"/>
+                <adec:decorative xmlns:adec="http://schemas.microsoft.com/office/drawing/2017/decorative" xmlns="" val="1"/>
               </a:ext>
             </a:extLst>
           </p:cNvPr>
@@ -6121,7 +6121,7 @@
                 <a16:creationId xmlns:a16="http://schemas.microsoft.com/office/drawing/2014/main" id="{DAF1966E-FD40-4A4A-B61B-C4DF7FA05F06}"/>
               </a:ext>
               <a:ext uri="{C183D7F6-B498-43B3-948B-1728B52AA6E4}">
-                <adec:decorative xmlns:adec="http://schemas.microsoft.com/office/drawing/2017/decorative" val="1"/>
+                <adec:decorative xmlns:adec="http://schemas.microsoft.com/office/drawing/2017/decorative" xmlns="" val="1"/>
               </a:ext>
             </a:extLst>
           </p:cNvPr>
@@ -6181,7 +6181,7 @@
                 <a16:creationId xmlns:a16="http://schemas.microsoft.com/office/drawing/2014/main" id="{047BFA19-D45E-416B-A404-7AF2F3F27017}"/>
               </a:ext>
               <a:ext uri="{C183D7F6-B498-43B3-948B-1728B52AA6E4}">
-                <adec:decorative xmlns:adec="http://schemas.microsoft.com/office/drawing/2017/decorative" val="1"/>
+                <adec:decorative xmlns:adec="http://schemas.microsoft.com/office/drawing/2017/decorative" xmlns="" val="1"/>
               </a:ext>
             </a:extLst>
           </p:cNvPr>
@@ -6280,7 +6280,7 @@
                 <a16:creationId xmlns:a16="http://schemas.microsoft.com/office/drawing/2014/main" id="{8E0105E7-23DB-4CF2-8258-FF47C7620F6E}"/>
               </a:ext>
               <a:ext uri="{C183D7F6-B498-43B3-948B-1728B52AA6E4}">
-                <adec:decorative xmlns:adec="http://schemas.microsoft.com/office/drawing/2017/decorative" val="1"/>
+                <adec:decorative xmlns:adec="http://schemas.microsoft.com/office/drawing/2017/decorative" xmlns="" val="1"/>
               </a:ext>
             </a:extLst>
           </p:cNvPr>
@@ -6409,7 +6409,7 @@
                 <a16:creationId xmlns:a16="http://schemas.microsoft.com/office/drawing/2014/main" id="{074B4F7D-14B2-478B-8BF5-01E4E0C5D263}"/>
               </a:ext>
               <a:ext uri="{C183D7F6-B498-43B3-948B-1728B52AA6E4}">
-                <adec:decorative xmlns:adec="http://schemas.microsoft.com/office/drawing/2017/decorative" val="1"/>
+                <adec:decorative xmlns:adec="http://schemas.microsoft.com/office/drawing/2017/decorative" xmlns="" val="1"/>
               </a:ext>
             </a:extLst>
           </p:cNvPr>
@@ -6620,7 +6620,7 @@
                 <a16:creationId xmlns:a16="http://schemas.microsoft.com/office/drawing/2014/main" id="{68AF5748-FED8-45BA-8631-26D1D10F3246}"/>
               </a:ext>
               <a:ext uri="{C183D7F6-B498-43B3-948B-1728B52AA6E4}">
-                <adec:decorative xmlns:adec="http://schemas.microsoft.com/office/drawing/2017/decorative" val="1"/>
+                <adec:decorative xmlns:adec="http://schemas.microsoft.com/office/drawing/2017/decorative" xmlns="" val="1"/>
               </a:ext>
             </a:extLst>
           </p:cNvPr>
@@ -6722,7 +6722,7 @@
                 <a16:creationId xmlns:a16="http://schemas.microsoft.com/office/drawing/2014/main" id="{AF2F604E-43BE-4DC3-B983-E071523364F8}"/>
               </a:ext>
               <a:ext uri="{C183D7F6-B498-43B3-948B-1728B52AA6E4}">
-                <adec:decorative xmlns:adec="http://schemas.microsoft.com/office/drawing/2017/decorative" val="1"/>
+                <adec:decorative xmlns:adec="http://schemas.microsoft.com/office/drawing/2017/decorative" xmlns="" val="1"/>
               </a:ext>
             </a:extLst>
           </p:cNvPr>
@@ -6814,7 +6814,7 @@
                 <a16:creationId xmlns:a16="http://schemas.microsoft.com/office/drawing/2014/main" id="{08C9B587-E65E-4B52-B37C-ABEBB6E87928}"/>
               </a:ext>
               <a:ext uri="{C183D7F6-B498-43B3-948B-1728B52AA6E4}">
-                <adec:decorative xmlns:adec="http://schemas.microsoft.com/office/drawing/2017/decorative" val="1"/>
+                <adec:decorative xmlns:adec="http://schemas.microsoft.com/office/drawing/2017/decorative" xmlns="" val="1"/>
               </a:ext>
             </a:extLst>
           </p:cNvPr>
@@ -6952,7 +6952,7 @@
                 <a16:creationId xmlns:a16="http://schemas.microsoft.com/office/drawing/2014/main" id="{DAF1966E-FD40-4A4A-B61B-C4DF7FA05F06}"/>
               </a:ext>
               <a:ext uri="{C183D7F6-B498-43B3-948B-1728B52AA6E4}">
-                <adec:decorative xmlns:adec="http://schemas.microsoft.com/office/drawing/2017/decorative" val="1"/>
+                <adec:decorative xmlns:adec="http://schemas.microsoft.com/office/drawing/2017/decorative" xmlns="" val="1"/>
               </a:ext>
             </a:extLst>
           </p:cNvPr>
@@ -7012,7 +7012,7 @@
                 <a16:creationId xmlns:a16="http://schemas.microsoft.com/office/drawing/2014/main" id="{047BFA19-D45E-416B-A404-7AF2F3F27017}"/>
               </a:ext>
               <a:ext uri="{C183D7F6-B498-43B3-948B-1728B52AA6E4}">
-                <adec:decorative xmlns:adec="http://schemas.microsoft.com/office/drawing/2017/decorative" val="1"/>
+                <adec:decorative xmlns:adec="http://schemas.microsoft.com/office/drawing/2017/decorative" xmlns="" val="1"/>
               </a:ext>
             </a:extLst>
           </p:cNvPr>
@@ -7111,7 +7111,7 @@
                 <a16:creationId xmlns:a16="http://schemas.microsoft.com/office/drawing/2014/main" id="{8E0105E7-23DB-4CF2-8258-FF47C7620F6E}"/>
               </a:ext>
               <a:ext uri="{C183D7F6-B498-43B3-948B-1728B52AA6E4}">
-                <adec:decorative xmlns:adec="http://schemas.microsoft.com/office/drawing/2017/decorative" val="1"/>
+                <adec:decorative xmlns:adec="http://schemas.microsoft.com/office/drawing/2017/decorative" xmlns="" val="1"/>
               </a:ext>
             </a:extLst>
           </p:cNvPr>
@@ -7239,7 +7239,7 @@
                 <a16:creationId xmlns:a16="http://schemas.microsoft.com/office/drawing/2014/main" id="{074B4F7D-14B2-478B-8BF5-01E4E0C5D263}"/>
               </a:ext>
               <a:ext uri="{C183D7F6-B498-43B3-948B-1728B52AA6E4}">
-                <adec:decorative xmlns:adec="http://schemas.microsoft.com/office/drawing/2017/decorative" val="1"/>
+                <adec:decorative xmlns:adec="http://schemas.microsoft.com/office/drawing/2017/decorative" xmlns="" val="1"/>
               </a:ext>
             </a:extLst>
           </p:cNvPr>
@@ -7327,29 +7327,23 @@
           </a:bodyPr>
           <a:lstStyle/>
           <a:p>
-            <a:r>
-              <a:rPr lang="ru-RU" sz="2200" b="1" dirty="0">
-                <a:ea typeface="+mn-lt"/>
-                <a:cs typeface="+mn-lt"/>
-              </a:rPr>
-              <a:t>Создание функциональных объектов:</a:t>
-            </a:r>
-            <a:endParaRPr lang="ru-RU" dirty="0">
-              <a:ea typeface="+mn-lt"/>
-              <a:cs typeface="+mn-lt"/>
-            </a:endParaRPr>
-          </a:p>
-          <a:p>
             <a:pPr>
               <a:buFont typeface="Arial" panose="020B0604020202020204" pitchFamily="34" charset="0"/>
               <a:buChar char="•"/>
             </a:pPr>
             <a:r>
+              <a:rPr lang="ru-RU" sz="2200" smtClean="0">
+                <a:ea typeface="+mn-lt"/>
+                <a:cs typeface="+mn-lt"/>
+              </a:rPr>
+              <a:t>Хранимые </a:t>
+            </a:r>
+            <a:r>
               <a:rPr lang="ru-RU" sz="2200" dirty="0">
                 <a:ea typeface="+mn-lt"/>
                 <a:cs typeface="+mn-lt"/>
               </a:rPr>
-              <a:t>Хранимые процедуры (для поиска товара, обновления цены, обработки заказа)</a:t>
+              <a:t>процедуры (для поиска товара, обновления цены, обработки заказа)</a:t>
             </a:r>
             <a:endParaRPr lang="ru-RU" dirty="0"/>
           </a:p>
@@ -7528,7 +7522,7 @@
                 <a16:creationId xmlns:a16="http://schemas.microsoft.com/office/drawing/2014/main" id="{68AF5748-FED8-45BA-8631-26D1D10F3246}"/>
               </a:ext>
               <a:ext uri="{C183D7F6-B498-43B3-948B-1728B52AA6E4}">
-                <adec:decorative xmlns:adec="http://schemas.microsoft.com/office/drawing/2017/decorative" val="1"/>
+                <adec:decorative xmlns:adec="http://schemas.microsoft.com/office/drawing/2017/decorative" xmlns="" val="1"/>
               </a:ext>
             </a:extLst>
           </p:cNvPr>
@@ -7647,7 +7641,7 @@
                 <a16:creationId xmlns:a16="http://schemas.microsoft.com/office/drawing/2014/main" id="{AF2F604E-43BE-4DC3-B983-E071523364F8}"/>
               </a:ext>
               <a:ext uri="{C183D7F6-B498-43B3-948B-1728B52AA6E4}">
-                <adec:decorative xmlns:adec="http://schemas.microsoft.com/office/drawing/2017/decorative" val="1"/>
+                <adec:decorative xmlns:adec="http://schemas.microsoft.com/office/drawing/2017/decorative" xmlns="" val="1"/>
               </a:ext>
             </a:extLst>
           </p:cNvPr>
@@ -7739,7 +7733,7 @@
                 <a16:creationId xmlns:a16="http://schemas.microsoft.com/office/drawing/2014/main" id="{08C9B587-E65E-4B52-B37C-ABEBB6E87928}"/>
               </a:ext>
               <a:ext uri="{C183D7F6-B498-43B3-948B-1728B52AA6E4}">
-                <adec:decorative xmlns:adec="http://schemas.microsoft.com/office/drawing/2017/decorative" val="1"/>
+                <adec:decorative xmlns:adec="http://schemas.microsoft.com/office/drawing/2017/decorative" xmlns="" val="1"/>
               </a:ext>
             </a:extLst>
           </p:cNvPr>
